--- a/Presentation/L4-5-Group 8 -First presentation.pptx
+++ b/Presentation/L4-5-Group 8 -First presentation.pptx
@@ -5,16 +5,18 @@
     <p:sldMasterId id="2147483717" r:id="rId1"/>
   </p:sldMasterIdLst>
   <p:notesMasterIdLst>
-    <p:notesMasterId r:id="rId9"/>
+    <p:notesMasterId r:id="rId11"/>
   </p:notesMasterIdLst>
   <p:sldIdLst>
     <p:sldId id="256" r:id="rId2"/>
-    <p:sldId id="263" r:id="rId3"/>
-    <p:sldId id="264" r:id="rId4"/>
+    <p:sldId id="268" r:id="rId3"/>
+    <p:sldId id="263" r:id="rId4"/>
     <p:sldId id="267" r:id="rId5"/>
     <p:sldId id="265" r:id="rId6"/>
     <p:sldId id="266" r:id="rId7"/>
-    <p:sldId id="262" r:id="rId8"/>
+    <p:sldId id="270" r:id="rId8"/>
+    <p:sldId id="264" r:id="rId9"/>
+    <p:sldId id="269" r:id="rId10"/>
   </p:sldIdLst>
   <p:sldSz cx="12192000" cy="6858000"/>
   <p:notesSz cx="6858000" cy="9144000"/>
@@ -203,7 +205,7 @@
           <a:p>
             <a:fld id="{55069BFE-756C-4DAF-BC52-7B4EFA05B137}" type="datetimeFigureOut">
               <a:rPr lang="en-GB" smtClean="0"/>
-              <a:t>30/01/2017</a:t>
+              <a:t>31/01/2017</a:t>
             </a:fld>
             <a:endParaRPr lang="en-GB"/>
           </a:p>
@@ -563,7 +565,7 @@
           <a:p>
             <a:fld id="{201D944A-229B-4A1B-93E5-0E601E2BAFE5}" type="slidenum">
               <a:rPr lang="en-GB" smtClean="0"/>
-              <a:t>2</a:t>
+              <a:t>3</a:t>
             </a:fld>
             <a:endParaRPr lang="en-GB"/>
           </a:p>
@@ -647,7 +649,7 @@
           <a:p>
             <a:fld id="{201D944A-229B-4A1B-93E5-0E601E2BAFE5}" type="slidenum">
               <a:rPr lang="en-GB" smtClean="0"/>
-              <a:t>3</a:t>
+              <a:t>8</a:t>
             </a:fld>
             <a:endParaRPr lang="en-GB"/>
           </a:p>
@@ -842,7 +844,7 @@
           <a:p>
             <a:fld id="{48A87A34-81AB-432B-8DAE-1953F412C126}" type="datetimeFigureOut">
               <a:rPr lang="en-US" smtClean="0"/>
-              <a:t>1/30/2017</a:t>
+              <a:t>1/31/2017</a:t>
             </a:fld>
             <a:endParaRPr lang="en-US" dirty="0"/>
           </a:p>
@@ -1012,7 +1014,7 @@
           <a:p>
             <a:fld id="{48A87A34-81AB-432B-8DAE-1953F412C126}" type="datetimeFigureOut">
               <a:rPr lang="en-US" smtClean="0"/>
-              <a:t>1/30/2017</a:t>
+              <a:t>1/31/2017</a:t>
             </a:fld>
             <a:endParaRPr lang="en-US" dirty="0"/>
           </a:p>
@@ -1235,7 +1237,7 @@
           <a:p>
             <a:fld id="{48A87A34-81AB-432B-8DAE-1953F412C126}" type="datetimeFigureOut">
               <a:rPr lang="en-US" smtClean="0"/>
-              <a:t>1/30/2017</a:t>
+              <a:t>1/31/2017</a:t>
             </a:fld>
             <a:endParaRPr lang="en-US" dirty="0"/>
           </a:p>
@@ -1415,7 +1417,7 @@
           <a:p>
             <a:fld id="{48A87A34-81AB-432B-8DAE-1953F412C126}" type="datetimeFigureOut">
               <a:rPr lang="en-US" smtClean="0"/>
-              <a:t>1/30/2017</a:t>
+              <a:t>1/31/2017</a:t>
             </a:fld>
             <a:endParaRPr lang="en-US" dirty="0"/>
           </a:p>
@@ -1721,7 +1723,7 @@
           <a:p>
             <a:fld id="{48A87A34-81AB-432B-8DAE-1953F412C126}" type="datetimeFigureOut">
               <a:rPr lang="en-US" smtClean="0"/>
-              <a:t>1/30/2017</a:t>
+              <a:t>1/31/2017</a:t>
             </a:fld>
             <a:endParaRPr lang="en-US" dirty="0"/>
           </a:p>
@@ -2025,7 +2027,7 @@
           <a:p>
             <a:fld id="{48A87A34-81AB-432B-8DAE-1953F412C126}" type="datetimeFigureOut">
               <a:rPr lang="en-US" smtClean="0"/>
-              <a:t>1/30/2017</a:t>
+              <a:t>1/31/2017</a:t>
             </a:fld>
             <a:endParaRPr lang="en-US" dirty="0"/>
           </a:p>
@@ -2447,7 +2449,7 @@
           <a:p>
             <a:fld id="{48A87A34-81AB-432B-8DAE-1953F412C126}" type="datetimeFigureOut">
               <a:rPr lang="en-US" smtClean="0"/>
-              <a:t>1/30/2017</a:t>
+              <a:t>1/31/2017</a:t>
             </a:fld>
             <a:endParaRPr lang="en-US" dirty="0"/>
           </a:p>
@@ -2565,7 +2567,7 @@
           <a:p>
             <a:fld id="{48A87A34-81AB-432B-8DAE-1953F412C126}" type="datetimeFigureOut">
               <a:rPr lang="en-US" smtClean="0"/>
-              <a:t>1/30/2017</a:t>
+              <a:t>1/31/2017</a:t>
             </a:fld>
             <a:endParaRPr lang="en-US" dirty="0"/>
           </a:p>
@@ -2660,7 +2662,7 @@
           <a:p>
             <a:fld id="{48A87A34-81AB-432B-8DAE-1953F412C126}" type="datetimeFigureOut">
               <a:rPr lang="en-US" smtClean="0"/>
-              <a:t>1/30/2017</a:t>
+              <a:t>1/31/2017</a:t>
             </a:fld>
             <a:endParaRPr lang="en-US" dirty="0"/>
           </a:p>
@@ -2933,7 +2935,7 @@
           <a:p>
             <a:fld id="{48A87A34-81AB-432B-8DAE-1953F412C126}" type="datetimeFigureOut">
               <a:rPr lang="en-US" smtClean="0"/>
-              <a:t>1/30/2017</a:t>
+              <a:t>1/31/2017</a:t>
             </a:fld>
             <a:endParaRPr lang="en-US" dirty="0"/>
           </a:p>
@@ -3198,7 +3200,7 @@
           <a:p>
             <a:fld id="{48A87A34-81AB-432B-8DAE-1953F412C126}" type="datetimeFigureOut">
               <a:rPr lang="en-US" smtClean="0"/>
-              <a:t>1/30/2017</a:t>
+              <a:t>1/31/2017</a:t>
             </a:fld>
             <a:endParaRPr lang="en-US" dirty="0"/>
           </a:p>
@@ -3448,7 +3450,7 @@
             <a:fld id="{48A87A34-81AB-432B-8DAE-1953F412C126}" type="datetimeFigureOut">
               <a:rPr lang="en-US" smtClean="0"/>
               <a:pPr/>
-              <a:t>1/30/2017</a:t>
+              <a:t>1/31/2017</a:t>
             </a:fld>
             <a:endParaRPr lang="en-US" dirty="0"/>
           </a:p>
@@ -3921,7 +3923,7 @@
           <a:p>
             <a:r>
               <a:rPr lang="en-GB" dirty="0"/>
-              <a:t>L4/5 GROUP 8</a:t>
+              <a:t>L4/5 GROUP 6</a:t>
             </a:r>
           </a:p>
         </p:txBody>
@@ -4007,6 +4009,146 @@
             <p:ph type="title"/>
           </p:nvPr>
         </p:nvSpPr>
+        <p:spPr/>
+        <p:txBody>
+          <a:bodyPr/>
+          <a:lstStyle/>
+          <a:p>
+            <a:pPr algn="ctr"/>
+            <a:r>
+              <a:rPr lang="en-GB" dirty="0"/>
+              <a:t>The Brief</a:t>
+            </a:r>
+          </a:p>
+        </p:txBody>
+      </p:sp>
+      <p:sp>
+        <p:nvSpPr>
+          <p:cNvPr id="4" name="Rectangle 3"/>
+          <p:cNvSpPr/>
+          <p:nvPr/>
+        </p:nvSpPr>
+        <p:spPr>
+          <a:xfrm>
+            <a:off x="0" y="1812174"/>
+            <a:ext cx="12070081" cy="4524315"/>
+          </a:xfrm>
+          <a:prstGeom prst="rect">
+            <a:avLst/>
+          </a:prstGeom>
+        </p:spPr>
+        <p:txBody>
+          <a:bodyPr wrap="square">
+            <a:spAutoFit/>
+          </a:bodyPr>
+          <a:lstStyle/>
+          <a:p>
+            <a:pPr marL="571500" indent="-571500">
+              <a:buFont typeface="Wingdings" panose="05000000000000000000" pitchFamily="2" charset="2"/>
+              <a:buChar char="v"/>
+            </a:pPr>
+            <a:endParaRPr lang="en-GB" sz="3600" dirty="0"/>
+          </a:p>
+          <a:p>
+            <a:pPr marL="571500" indent="-571500">
+              <a:buFont typeface="Wingdings" panose="05000000000000000000" pitchFamily="2" charset="2"/>
+              <a:buChar char="v"/>
+            </a:pPr>
+            <a:r>
+              <a:rPr lang="en-GB" sz="3600" dirty="0"/>
+              <a:t>Angry Birds</a:t>
+            </a:r>
+          </a:p>
+          <a:p>
+            <a:pPr marL="571500" indent="-571500">
+              <a:buFont typeface="Wingdings" panose="05000000000000000000" pitchFamily="2" charset="2"/>
+              <a:buChar char="v"/>
+            </a:pPr>
+            <a:endParaRPr lang="en-GB" sz="3600" dirty="0"/>
+          </a:p>
+          <a:p>
+            <a:pPr marL="571500" indent="-571500">
+              <a:buFont typeface="Wingdings" panose="05000000000000000000" pitchFamily="2" charset="2"/>
+              <a:buChar char="v"/>
+            </a:pPr>
+            <a:r>
+              <a:rPr lang="en-GB" sz="3600" dirty="0"/>
+              <a:t>Rocket League</a:t>
+            </a:r>
+          </a:p>
+          <a:p>
+            <a:pPr marL="571500" indent="-571500">
+              <a:buFont typeface="Wingdings" panose="05000000000000000000" pitchFamily="2" charset="2"/>
+              <a:buChar char="v"/>
+            </a:pPr>
+            <a:endParaRPr lang="en-GB" sz="3600" dirty="0"/>
+          </a:p>
+          <a:p>
+            <a:pPr marL="571500" indent="-571500">
+              <a:buFont typeface="Wingdings" panose="05000000000000000000" pitchFamily="2" charset="2"/>
+              <a:buChar char="v"/>
+            </a:pPr>
+            <a:r>
+              <a:rPr lang="en-GB" sz="3600" dirty="0"/>
+              <a:t>Shift</a:t>
+            </a:r>
+          </a:p>
+          <a:p>
+            <a:pPr marL="571500" indent="-571500">
+              <a:buFont typeface="Wingdings" panose="05000000000000000000" pitchFamily="2" charset="2"/>
+              <a:buChar char="v"/>
+            </a:pPr>
+            <a:endParaRPr lang="en-GB" sz="3600" dirty="0"/>
+          </a:p>
+          <a:p>
+            <a:pPr marL="571500" indent="-571500">
+              <a:buFont typeface="Wingdings" panose="05000000000000000000" pitchFamily="2" charset="2"/>
+              <a:buChar char="v"/>
+            </a:pPr>
+            <a:endParaRPr lang="en-GB" sz="3600" dirty="0"/>
+          </a:p>
+        </p:txBody>
+      </p:sp>
+    </p:spTree>
+    <p:extLst>
+      <p:ext uri="{BB962C8B-B14F-4D97-AF65-F5344CB8AC3E}">
+        <p14:creationId xmlns:p14="http://schemas.microsoft.com/office/powerpoint/2010/main" val="4269270816"/>
+      </p:ext>
+    </p:extLst>
+  </p:cSld>
+  <p:clrMapOvr>
+    <a:masterClrMapping/>
+  </p:clrMapOvr>
+</p:sld>
+</file>
+
+<file path=ppt/slides/slide3.xml><?xml version="1.0" encoding="utf-8"?>
+<p:sld xmlns:a="http://schemas.openxmlformats.org/drawingml/2006/main" xmlns:r="http://schemas.openxmlformats.org/officeDocument/2006/relationships" xmlns:p="http://schemas.openxmlformats.org/presentationml/2006/main">
+  <p:cSld>
+    <p:spTree>
+      <p:nvGrpSpPr>
+        <p:cNvPr id="1" name=""/>
+        <p:cNvGrpSpPr/>
+        <p:nvPr/>
+      </p:nvGrpSpPr>
+      <p:grpSpPr>
+        <a:xfrm>
+          <a:off x="0" y="0"/>
+          <a:ext cx="0" cy="0"/>
+          <a:chOff x="0" y="0"/>
+          <a:chExt cx="0" cy="0"/>
+        </a:xfrm>
+      </p:grpSpPr>
+      <p:sp>
+        <p:nvSpPr>
+          <p:cNvPr id="2" name="Title 1"/>
+          <p:cNvSpPr>
+            <a:spLocks noGrp="1"/>
+          </p:cNvSpPr>
+          <p:nvPr>
+            <p:ph type="title"/>
+          </p:nvPr>
+        </p:nvSpPr>
         <p:spPr>
           <a:xfrm>
             <a:off x="0" y="182879"/>
@@ -4034,7 +4176,7 @@
         <p:spPr>
           <a:xfrm>
             <a:off x="0" y="1812174"/>
-            <a:ext cx="12070081" cy="3970318"/>
+            <a:ext cx="12070081" cy="5816977"/>
           </a:xfrm>
           <a:prstGeom prst="rect">
             <a:avLst/>
@@ -4046,26 +4188,16 @@
           </a:bodyPr>
           <a:lstStyle/>
           <a:p>
+            <a:endParaRPr lang="en-GB" sz="3600" dirty="0"/>
+          </a:p>
+          <a:p>
             <a:pPr marL="571500" indent="-571500">
               <a:buFont typeface="Wingdings" panose="05000000000000000000" pitchFamily="2" charset="2"/>
               <a:buChar char="v"/>
             </a:pPr>
             <a:r>
               <a:rPr lang="en-GB" sz="3600" dirty="0"/>
-              <a:t>We are targeting our game off the success of games such as angry birds</a:t>
-            </a:r>
-          </a:p>
-          <a:p>
-            <a:endParaRPr lang="en-GB" sz="3600" dirty="0"/>
-          </a:p>
-          <a:p>
-            <a:pPr marL="571500" indent="-571500">
-              <a:buFont typeface="Wingdings" panose="05000000000000000000" pitchFamily="2" charset="2"/>
-              <a:buChar char="v"/>
-            </a:pPr>
-            <a:r>
-              <a:rPr lang="en-GB" sz="3600" dirty="0"/>
-              <a:t>The game will be geared towards children of both genders from 7 and up</a:t>
+              <a:t>Both Genders</a:t>
             </a:r>
           </a:p>
           <a:p>
@@ -4074,6 +4206,73 @@
               <a:buChar char="v"/>
             </a:pPr>
             <a:endParaRPr lang="en-GB" sz="3600" dirty="0"/>
+          </a:p>
+          <a:p>
+            <a:pPr marL="571500" indent="-571500">
+              <a:buFont typeface="Wingdings" panose="05000000000000000000" pitchFamily="2" charset="2"/>
+              <a:buChar char="v"/>
+            </a:pPr>
+            <a:r>
+              <a:rPr lang="en-GB" sz="3600" dirty="0"/>
+              <a:t>10-20</a:t>
+            </a:r>
+          </a:p>
+          <a:p>
+            <a:pPr marL="571500" indent="-571500">
+              <a:buFont typeface="Wingdings" panose="05000000000000000000" pitchFamily="2" charset="2"/>
+              <a:buChar char="v"/>
+            </a:pPr>
+            <a:endParaRPr lang="en-GB" sz="3600" dirty="0"/>
+          </a:p>
+          <a:p>
+            <a:pPr marL="571500" indent="-571500">
+              <a:buFont typeface="Wingdings" panose="05000000000000000000" pitchFamily="2" charset="2"/>
+              <a:buChar char="v"/>
+            </a:pPr>
+            <a:r>
+              <a:rPr lang="en-GB" sz="3600" dirty="0"/>
+              <a:t>Sources</a:t>
+            </a:r>
+          </a:p>
+          <a:p>
+            <a:pPr marL="571500" indent="-571500">
+              <a:buFont typeface="Wingdings" panose="05000000000000000000" pitchFamily="2" charset="2"/>
+              <a:buChar char="v"/>
+            </a:pPr>
+            <a:r>
+              <a:rPr lang="en-GB" sz="2400" dirty="0">
+                <a:hlinkClick r:id="rId3"/>
+              </a:rPr>
+              <a:t>http://www.livestrong.com/article/442800-how-does-aging-affect-reaction-time/</a:t>
+            </a:r>
+            <a:endParaRPr lang="en-GB" sz="2400" dirty="0"/>
+          </a:p>
+          <a:p>
+            <a:pPr marL="571500" indent="-571500">
+              <a:buFont typeface="Wingdings" panose="05000000000000000000" pitchFamily="2" charset="2"/>
+              <a:buChar char="v"/>
+            </a:pPr>
+            <a:r>
+              <a:rPr lang="en-GB" sz="2400" dirty="0">
+                <a:hlinkClick r:id="rId4"/>
+              </a:rPr>
+              <a:t>https://www.theguardian.com/commentisfree/2014/sep/18/52-percent-people-playing-games-women-industry-doesnt-know</a:t>
+            </a:r>
+            <a:endParaRPr lang="en-GB" sz="2400" dirty="0"/>
+          </a:p>
+          <a:p>
+            <a:pPr marL="571500" indent="-571500">
+              <a:buFont typeface="Wingdings" panose="05000000000000000000" pitchFamily="2" charset="2"/>
+              <a:buChar char="v"/>
+            </a:pPr>
+            <a:endParaRPr lang="en-GB" sz="2400" dirty="0"/>
+          </a:p>
+          <a:p>
+            <a:pPr marL="571500" indent="-571500">
+              <a:buFont typeface="Wingdings" panose="05000000000000000000" pitchFamily="2" charset="2"/>
+              <a:buChar char="v"/>
+            </a:pPr>
+            <a:endParaRPr lang="en-GB" sz="2400" dirty="0"/>
           </a:p>
           <a:p>
             <a:pPr marL="571500" indent="-571500">
@@ -4097,7 +4296,384 @@
 </p:sld>
 </file>
 
-<file path=ppt/slides/slide3.xml><?xml version="1.0" encoding="utf-8"?>
+<file path=ppt/slides/slide4.xml><?xml version="1.0" encoding="utf-8"?>
+<p:sld xmlns:a="http://schemas.openxmlformats.org/drawingml/2006/main" xmlns:r="http://schemas.openxmlformats.org/officeDocument/2006/relationships" xmlns:p="http://schemas.openxmlformats.org/presentationml/2006/main">
+  <p:cSld>
+    <p:spTree>
+      <p:nvGrpSpPr>
+        <p:cNvPr id="1" name=""/>
+        <p:cNvGrpSpPr/>
+        <p:nvPr/>
+      </p:nvGrpSpPr>
+      <p:grpSpPr>
+        <a:xfrm>
+          <a:off x="0" y="0"/>
+          <a:ext cx="0" cy="0"/>
+          <a:chOff x="0" y="0"/>
+          <a:chExt cx="0" cy="0"/>
+        </a:xfrm>
+      </p:grpSpPr>
+      <p:sp>
+        <p:nvSpPr>
+          <p:cNvPr id="2" name="Title 1"/>
+          <p:cNvSpPr>
+            <a:spLocks noGrp="1"/>
+          </p:cNvSpPr>
+          <p:nvPr>
+            <p:ph type="title"/>
+          </p:nvPr>
+        </p:nvSpPr>
+        <p:spPr>
+          <a:xfrm>
+            <a:off x="0" y="166255"/>
+            <a:ext cx="12191999" cy="1645920"/>
+          </a:xfrm>
+        </p:spPr>
+        <p:txBody>
+          <a:bodyPr/>
+          <a:lstStyle/>
+          <a:p>
+            <a:pPr algn="ctr"/>
+            <a:r>
+              <a:rPr lang="en-GB" dirty="0"/>
+              <a:t>Mood boards</a:t>
+            </a:r>
+          </a:p>
+        </p:txBody>
+      </p:sp>
+    </p:spTree>
+    <p:extLst>
+      <p:ext uri="{BB962C8B-B14F-4D97-AF65-F5344CB8AC3E}">
+        <p14:creationId xmlns:p14="http://schemas.microsoft.com/office/powerpoint/2010/main" val="3315792066"/>
+      </p:ext>
+    </p:extLst>
+  </p:cSld>
+  <p:clrMapOvr>
+    <a:masterClrMapping/>
+  </p:clrMapOvr>
+</p:sld>
+</file>
+
+<file path=ppt/slides/slide5.xml><?xml version="1.0" encoding="utf-8"?>
+<p:sld xmlns:a="http://schemas.openxmlformats.org/drawingml/2006/main" xmlns:r="http://schemas.openxmlformats.org/officeDocument/2006/relationships" xmlns:p="http://schemas.openxmlformats.org/presentationml/2006/main">
+  <p:cSld>
+    <p:spTree>
+      <p:nvGrpSpPr>
+        <p:cNvPr id="1" name=""/>
+        <p:cNvGrpSpPr/>
+        <p:nvPr/>
+      </p:nvGrpSpPr>
+      <p:grpSpPr>
+        <a:xfrm>
+          <a:off x="0" y="0"/>
+          <a:ext cx="0" cy="0"/>
+          <a:chOff x="0" y="0"/>
+          <a:chExt cx="0" cy="0"/>
+        </a:xfrm>
+      </p:grpSpPr>
+      <p:sp>
+        <p:nvSpPr>
+          <p:cNvPr id="2" name="Title 1"/>
+          <p:cNvSpPr>
+            <a:spLocks noGrp="1"/>
+          </p:cNvSpPr>
+          <p:nvPr>
+            <p:ph type="title"/>
+          </p:nvPr>
+        </p:nvSpPr>
+        <p:spPr>
+          <a:xfrm>
+            <a:off x="0" y="166255"/>
+            <a:ext cx="12192000" cy="1679170"/>
+          </a:xfrm>
+        </p:spPr>
+        <p:txBody>
+          <a:bodyPr/>
+          <a:lstStyle/>
+          <a:p>
+            <a:pPr algn="ctr"/>
+            <a:r>
+              <a:rPr lang="en-GB" dirty="0"/>
+              <a:t>Game Mechanics</a:t>
+            </a:r>
+          </a:p>
+        </p:txBody>
+      </p:sp>
+      <p:sp>
+        <p:nvSpPr>
+          <p:cNvPr id="4" name="Rectangle 3"/>
+          <p:cNvSpPr/>
+          <p:nvPr/>
+        </p:nvSpPr>
+        <p:spPr>
+          <a:xfrm>
+            <a:off x="0" y="1812174"/>
+            <a:ext cx="12070081" cy="4832092"/>
+          </a:xfrm>
+          <a:prstGeom prst="rect">
+            <a:avLst/>
+          </a:prstGeom>
+        </p:spPr>
+        <p:txBody>
+          <a:bodyPr wrap="square">
+            <a:spAutoFit/>
+          </a:bodyPr>
+          <a:lstStyle/>
+          <a:p>
+            <a:pPr marL="457200" indent="-457200">
+              <a:buFont typeface="Wingdings" panose="05000000000000000000" pitchFamily="2" charset="2"/>
+              <a:buChar char="v"/>
+            </a:pPr>
+            <a:r>
+              <a:rPr lang="en-GB" sz="3600" dirty="0"/>
+              <a:t>Gravity</a:t>
+            </a:r>
+          </a:p>
+          <a:p>
+            <a:pPr marL="457200" indent="-457200">
+              <a:buFont typeface="Wingdings" panose="05000000000000000000" pitchFamily="2" charset="2"/>
+              <a:buChar char="v"/>
+            </a:pPr>
+            <a:endParaRPr lang="en-GB" sz="3600" dirty="0"/>
+          </a:p>
+          <a:p>
+            <a:pPr marL="457200" indent="-457200">
+              <a:buFont typeface="Wingdings" panose="05000000000000000000" pitchFamily="2" charset="2"/>
+              <a:buChar char="v"/>
+            </a:pPr>
+            <a:r>
+              <a:rPr lang="en-GB" sz="3600" dirty="0"/>
+              <a:t>Synchronised playing</a:t>
+            </a:r>
+            <a:endParaRPr lang="en-GB" sz="3200" dirty="0"/>
+          </a:p>
+          <a:p>
+            <a:pPr marL="457200" indent="-457200">
+              <a:buFont typeface="Wingdings" panose="05000000000000000000" pitchFamily="2" charset="2"/>
+              <a:buChar char="v"/>
+            </a:pPr>
+            <a:endParaRPr lang="en-GB" sz="3200" dirty="0"/>
+          </a:p>
+          <a:p>
+            <a:pPr marL="457200" indent="-457200">
+              <a:buFont typeface="Wingdings" panose="05000000000000000000" pitchFamily="2" charset="2"/>
+              <a:buChar char="v"/>
+            </a:pPr>
+            <a:r>
+              <a:rPr lang="en-GB" sz="3200" dirty="0"/>
+              <a:t>Switches / Buttons</a:t>
+            </a:r>
+          </a:p>
+          <a:p>
+            <a:pPr marL="457200" indent="-457200">
+              <a:buFont typeface="Wingdings" panose="05000000000000000000" pitchFamily="2" charset="2"/>
+              <a:buChar char="v"/>
+            </a:pPr>
+            <a:endParaRPr lang="en-GB" sz="3200" dirty="0"/>
+          </a:p>
+          <a:p>
+            <a:pPr marL="457200" indent="-457200">
+              <a:buFont typeface="Wingdings" panose="05000000000000000000" pitchFamily="2" charset="2"/>
+              <a:buChar char="v"/>
+            </a:pPr>
+            <a:r>
+              <a:rPr lang="en-GB" sz="3200" dirty="0"/>
+              <a:t>Doors</a:t>
+            </a:r>
+            <a:endParaRPr lang="en-GB" sz="2400" dirty="0"/>
+          </a:p>
+          <a:p>
+            <a:pPr marL="571500" indent="-571500">
+              <a:buFont typeface="Wingdings" panose="05000000000000000000" pitchFamily="2" charset="2"/>
+              <a:buChar char="v"/>
+            </a:pPr>
+            <a:endParaRPr lang="en-GB" sz="3600" dirty="0"/>
+          </a:p>
+          <a:p>
+            <a:pPr marL="571500" indent="-571500">
+              <a:buFont typeface="Wingdings" panose="05000000000000000000" pitchFamily="2" charset="2"/>
+              <a:buChar char="v"/>
+            </a:pPr>
+            <a:r>
+              <a:rPr lang="en-GB" sz="3600" dirty="0"/>
+              <a:t>Adversarial</a:t>
+            </a:r>
+          </a:p>
+        </p:txBody>
+      </p:sp>
+    </p:spTree>
+    <p:extLst>
+      <p:ext uri="{BB962C8B-B14F-4D97-AF65-F5344CB8AC3E}">
+        <p14:creationId xmlns:p14="http://schemas.microsoft.com/office/powerpoint/2010/main" val="3525074697"/>
+      </p:ext>
+    </p:extLst>
+  </p:cSld>
+  <p:clrMapOvr>
+    <a:masterClrMapping/>
+  </p:clrMapOvr>
+</p:sld>
+</file>
+
+<file path=ppt/slides/slide6.xml><?xml version="1.0" encoding="utf-8"?>
+<p:sld xmlns:a="http://schemas.openxmlformats.org/drawingml/2006/main" xmlns:r="http://schemas.openxmlformats.org/officeDocument/2006/relationships" xmlns:p="http://schemas.openxmlformats.org/presentationml/2006/main">
+  <p:cSld>
+    <p:spTree>
+      <p:nvGrpSpPr>
+        <p:cNvPr id="1" name=""/>
+        <p:cNvGrpSpPr/>
+        <p:nvPr/>
+      </p:nvGrpSpPr>
+      <p:grpSpPr>
+        <a:xfrm>
+          <a:off x="0" y="0"/>
+          <a:ext cx="0" cy="0"/>
+          <a:chOff x="0" y="0"/>
+          <a:chExt cx="0" cy="0"/>
+        </a:xfrm>
+      </p:grpSpPr>
+      <p:sp>
+        <p:nvSpPr>
+          <p:cNvPr id="2" name="Title 1"/>
+          <p:cNvSpPr>
+            <a:spLocks noGrp="1"/>
+          </p:cNvSpPr>
+          <p:nvPr>
+            <p:ph type="title"/>
+          </p:nvPr>
+        </p:nvSpPr>
+        <p:spPr>
+          <a:xfrm>
+            <a:off x="0" y="149629"/>
+            <a:ext cx="12192000" cy="1662546"/>
+          </a:xfrm>
+        </p:spPr>
+        <p:txBody>
+          <a:bodyPr/>
+          <a:lstStyle/>
+          <a:p>
+            <a:pPr algn="ctr"/>
+            <a:r>
+              <a:rPr lang="en-GB" dirty="0"/>
+              <a:t>Game Prototype's</a:t>
+            </a:r>
+          </a:p>
+        </p:txBody>
+      </p:sp>
+      <p:pic>
+        <p:nvPicPr>
+          <p:cNvPr id="3" name="Picture 2"/>
+          <p:cNvPicPr>
+            <a:picLocks noChangeAspect="1"/>
+          </p:cNvPicPr>
+          <p:nvPr/>
+        </p:nvPicPr>
+        <p:blipFill>
+          <a:blip r:embed="rId2"/>
+          <a:stretch>
+            <a:fillRect/>
+          </a:stretch>
+        </p:blipFill>
+        <p:spPr>
+          <a:xfrm>
+            <a:off x="0" y="3162300"/>
+            <a:ext cx="5442857" cy="2381250"/>
+          </a:xfrm>
+          <a:prstGeom prst="rect">
+            <a:avLst/>
+          </a:prstGeom>
+        </p:spPr>
+      </p:pic>
+    </p:spTree>
+    <p:extLst>
+      <p:ext uri="{BB962C8B-B14F-4D97-AF65-F5344CB8AC3E}">
+        <p14:creationId xmlns:p14="http://schemas.microsoft.com/office/powerpoint/2010/main" val="2780990941"/>
+      </p:ext>
+    </p:extLst>
+  </p:cSld>
+  <p:clrMapOvr>
+    <a:masterClrMapping/>
+  </p:clrMapOvr>
+</p:sld>
+</file>
+
+<file path=ppt/slides/slide7.xml><?xml version="1.0" encoding="utf-8"?>
+<p:sld xmlns:a="http://schemas.openxmlformats.org/drawingml/2006/main" xmlns:r="http://schemas.openxmlformats.org/officeDocument/2006/relationships" xmlns:p="http://schemas.openxmlformats.org/presentationml/2006/main">
+  <p:cSld>
+    <p:spTree>
+      <p:nvGrpSpPr>
+        <p:cNvPr id="1" name=""/>
+        <p:cNvGrpSpPr/>
+        <p:nvPr/>
+      </p:nvGrpSpPr>
+      <p:grpSpPr>
+        <a:xfrm>
+          <a:off x="0" y="0"/>
+          <a:ext cx="0" cy="0"/>
+          <a:chOff x="0" y="0"/>
+          <a:chExt cx="0" cy="0"/>
+        </a:xfrm>
+      </p:grpSpPr>
+      <p:sp>
+        <p:nvSpPr>
+          <p:cNvPr id="2" name="Title 1"/>
+          <p:cNvSpPr>
+            <a:spLocks noGrp="1"/>
+          </p:cNvSpPr>
+          <p:nvPr>
+            <p:ph type="title"/>
+          </p:nvPr>
+        </p:nvSpPr>
+        <p:spPr/>
+        <p:txBody>
+          <a:bodyPr/>
+          <a:lstStyle/>
+          <a:p>
+            <a:pPr algn="ctr"/>
+            <a:r>
+              <a:rPr lang="en-GB" dirty="0"/>
+              <a:t>Decided Game</a:t>
+            </a:r>
+          </a:p>
+        </p:txBody>
+      </p:sp>
+      <p:pic>
+        <p:nvPicPr>
+          <p:cNvPr id="3" name="Picture 2"/>
+          <p:cNvPicPr>
+            <a:picLocks noChangeAspect="1"/>
+          </p:cNvPicPr>
+          <p:nvPr/>
+        </p:nvPicPr>
+        <p:blipFill>
+          <a:blip r:embed="rId2"/>
+          <a:stretch>
+            <a:fillRect/>
+          </a:stretch>
+        </p:blipFill>
+        <p:spPr>
+          <a:xfrm>
+            <a:off x="1706359" y="1947862"/>
+            <a:ext cx="8777199" cy="4749421"/>
+          </a:xfrm>
+          <a:prstGeom prst="rect">
+            <a:avLst/>
+          </a:prstGeom>
+        </p:spPr>
+      </p:pic>
+    </p:spTree>
+    <p:extLst>
+      <p:ext uri="{BB962C8B-B14F-4D97-AF65-F5344CB8AC3E}">
+        <p14:creationId xmlns:p14="http://schemas.microsoft.com/office/powerpoint/2010/main" val="1315140992"/>
+      </p:ext>
+    </p:extLst>
+  </p:cSld>
+  <p:clrMapOvr>
+    <a:masterClrMapping/>
+  </p:clrMapOvr>
+</p:sld>
+</file>
+
+<file path=ppt/slides/slide8.xml><?xml version="1.0" encoding="utf-8"?>
 <p:sld xmlns:a="http://schemas.openxmlformats.org/drawingml/2006/main" xmlns:r="http://schemas.openxmlformats.org/officeDocument/2006/relationships" xmlns:p="http://schemas.openxmlformats.org/presentationml/2006/main">
   <p:cSld>
     <p:spTree>
@@ -4548,7 +5124,7 @@
 </p:sld>
 </file>
 
-<file path=ppt/slides/slide4.xml><?xml version="1.0" encoding="utf-8"?>
+<file path=ppt/slides/slide9.xml><?xml version="1.0" encoding="utf-8"?>
 <p:sld xmlns:a="http://schemas.openxmlformats.org/drawingml/2006/main" xmlns:r="http://schemas.openxmlformats.org/officeDocument/2006/relationships" xmlns:p="http://schemas.openxmlformats.org/presentationml/2006/main">
   <p:cSld>
     <p:spTree>
@@ -4572,291 +5148,44 @@
             <a:spLocks noGrp="1"/>
           </p:cNvSpPr>
           <p:nvPr>
-            <p:ph type="title"/>
-          </p:nvPr>
-        </p:nvSpPr>
-        <p:spPr>
-          <a:xfrm>
-            <a:off x="0" y="166255"/>
-            <a:ext cx="12191999" cy="1645920"/>
-          </a:xfrm>
-        </p:spPr>
-        <p:txBody>
-          <a:bodyPr/>
-          <a:lstStyle/>
-          <a:p>
-            <a:pPr algn="ctr"/>
+            <p:ph type="ctrTitle"/>
+          </p:nvPr>
+        </p:nvSpPr>
+        <p:spPr/>
+        <p:txBody>
+          <a:bodyPr/>
+          <a:lstStyle/>
+          <a:p>
             <a:r>
               <a:rPr lang="en-GB" dirty="0"/>
-              <a:t>Mood boards</a:t>
-            </a:r>
+              <a:t>Questions?</a:t>
+            </a:r>
+          </a:p>
+        </p:txBody>
+      </p:sp>
+      <p:sp>
+        <p:nvSpPr>
+          <p:cNvPr id="5" name="Subtitle 4"/>
+          <p:cNvSpPr>
+            <a:spLocks noGrp="1"/>
+          </p:cNvSpPr>
+          <p:nvPr>
+            <p:ph type="subTitle" idx="1"/>
+          </p:nvPr>
+        </p:nvSpPr>
+        <p:spPr/>
+        <p:txBody>
+          <a:bodyPr/>
+          <a:lstStyle/>
+          <a:p>
+            <a:endParaRPr lang="en-GB"/>
           </a:p>
         </p:txBody>
       </p:sp>
     </p:spTree>
     <p:extLst>
       <p:ext uri="{BB962C8B-B14F-4D97-AF65-F5344CB8AC3E}">
-        <p14:creationId xmlns:p14="http://schemas.microsoft.com/office/powerpoint/2010/main" val="3315792066"/>
-      </p:ext>
-    </p:extLst>
-  </p:cSld>
-  <p:clrMapOvr>
-    <a:masterClrMapping/>
-  </p:clrMapOvr>
-</p:sld>
-</file>
-
-<file path=ppt/slides/slide5.xml><?xml version="1.0" encoding="utf-8"?>
-<p:sld xmlns:a="http://schemas.openxmlformats.org/drawingml/2006/main" xmlns:r="http://schemas.openxmlformats.org/officeDocument/2006/relationships" xmlns:p="http://schemas.openxmlformats.org/presentationml/2006/main">
-  <p:cSld>
-    <p:spTree>
-      <p:nvGrpSpPr>
-        <p:cNvPr id="1" name=""/>
-        <p:cNvGrpSpPr/>
-        <p:nvPr/>
-      </p:nvGrpSpPr>
-      <p:grpSpPr>
-        <a:xfrm>
-          <a:off x="0" y="0"/>
-          <a:ext cx="0" cy="0"/>
-          <a:chOff x="0" y="0"/>
-          <a:chExt cx="0" cy="0"/>
-        </a:xfrm>
-      </p:grpSpPr>
-      <p:sp>
-        <p:nvSpPr>
-          <p:cNvPr id="2" name="Title 1"/>
-          <p:cNvSpPr>
-            <a:spLocks noGrp="1"/>
-          </p:cNvSpPr>
-          <p:nvPr>
-            <p:ph type="title"/>
-          </p:nvPr>
-        </p:nvSpPr>
-        <p:spPr>
-          <a:xfrm>
-            <a:off x="0" y="166255"/>
-            <a:ext cx="12192000" cy="1679170"/>
-          </a:xfrm>
-        </p:spPr>
-        <p:txBody>
-          <a:bodyPr/>
-          <a:lstStyle/>
-          <a:p>
-            <a:pPr algn="ctr"/>
-            <a:r>
-              <a:rPr lang="en-GB" dirty="0"/>
-              <a:t>Physics in the game</a:t>
-            </a:r>
-          </a:p>
-        </p:txBody>
-      </p:sp>
-      <p:sp>
-        <p:nvSpPr>
-          <p:cNvPr id="3" name="Content Placeholder 2"/>
-          <p:cNvSpPr>
-            <a:spLocks noGrp="1"/>
-          </p:cNvSpPr>
-          <p:nvPr>
-            <p:ph idx="1"/>
-          </p:nvPr>
-        </p:nvSpPr>
-        <p:spPr/>
-        <p:txBody>
-          <a:bodyPr/>
-          <a:lstStyle/>
-          <a:p>
-            <a:endParaRPr lang="en-GB"/>
-          </a:p>
-        </p:txBody>
-      </p:sp>
-    </p:spTree>
-    <p:extLst>
-      <p:ext uri="{BB962C8B-B14F-4D97-AF65-F5344CB8AC3E}">
-        <p14:creationId xmlns:p14="http://schemas.microsoft.com/office/powerpoint/2010/main" val="3525074697"/>
-      </p:ext>
-    </p:extLst>
-  </p:cSld>
-  <p:clrMapOvr>
-    <a:masterClrMapping/>
-  </p:clrMapOvr>
-</p:sld>
-</file>
-
-<file path=ppt/slides/slide6.xml><?xml version="1.0" encoding="utf-8"?>
-<p:sld xmlns:a="http://schemas.openxmlformats.org/drawingml/2006/main" xmlns:r="http://schemas.openxmlformats.org/officeDocument/2006/relationships" xmlns:p="http://schemas.openxmlformats.org/presentationml/2006/main">
-  <p:cSld>
-    <p:spTree>
-      <p:nvGrpSpPr>
-        <p:cNvPr id="1" name=""/>
-        <p:cNvGrpSpPr/>
-        <p:nvPr/>
-      </p:nvGrpSpPr>
-      <p:grpSpPr>
-        <a:xfrm>
-          <a:off x="0" y="0"/>
-          <a:ext cx="0" cy="0"/>
-          <a:chOff x="0" y="0"/>
-          <a:chExt cx="0" cy="0"/>
-        </a:xfrm>
-      </p:grpSpPr>
-      <p:sp>
-        <p:nvSpPr>
-          <p:cNvPr id="2" name="Title 1"/>
-          <p:cNvSpPr>
-            <a:spLocks noGrp="1"/>
-          </p:cNvSpPr>
-          <p:nvPr>
-            <p:ph type="title"/>
-          </p:nvPr>
-        </p:nvSpPr>
-        <p:spPr>
-          <a:xfrm>
-            <a:off x="0" y="149629"/>
-            <a:ext cx="12192000" cy="1662546"/>
-          </a:xfrm>
-        </p:spPr>
-        <p:txBody>
-          <a:bodyPr/>
-          <a:lstStyle/>
-          <a:p>
-            <a:pPr algn="ctr"/>
-            <a:r>
-              <a:rPr lang="en-GB" dirty="0"/>
-              <a:t>Game Prototype</a:t>
-            </a:r>
-          </a:p>
-        </p:txBody>
-      </p:sp>
-      <p:sp>
-        <p:nvSpPr>
-          <p:cNvPr id="3" name="Content Placeholder 2"/>
-          <p:cNvSpPr>
-            <a:spLocks noGrp="1"/>
-          </p:cNvSpPr>
-          <p:nvPr>
-            <p:ph idx="1"/>
-          </p:nvPr>
-        </p:nvSpPr>
-        <p:spPr/>
-        <p:txBody>
-          <a:bodyPr/>
-          <a:lstStyle/>
-          <a:p>
-            <a:endParaRPr lang="en-GB"/>
-          </a:p>
-        </p:txBody>
-      </p:sp>
-    </p:spTree>
-    <p:extLst>
-      <p:ext uri="{BB962C8B-B14F-4D97-AF65-F5344CB8AC3E}">
-        <p14:creationId xmlns:p14="http://schemas.microsoft.com/office/powerpoint/2010/main" val="2780990941"/>
-      </p:ext>
-    </p:extLst>
-  </p:cSld>
-  <p:clrMapOvr>
-    <a:masterClrMapping/>
-  </p:clrMapOvr>
-</p:sld>
-</file>
-
-<file path=ppt/slides/slide7.xml><?xml version="1.0" encoding="utf-8"?>
-<p:sld xmlns:a="http://schemas.openxmlformats.org/drawingml/2006/main" xmlns:r="http://schemas.openxmlformats.org/officeDocument/2006/relationships" xmlns:p="http://schemas.openxmlformats.org/presentationml/2006/main">
-  <p:cSld>
-    <p:spTree>
-      <p:nvGrpSpPr>
-        <p:cNvPr id="1" name=""/>
-        <p:cNvGrpSpPr/>
-        <p:nvPr/>
-      </p:nvGrpSpPr>
-      <p:grpSpPr>
-        <a:xfrm>
-          <a:off x="0" y="0"/>
-          <a:ext cx="0" cy="0"/>
-          <a:chOff x="0" y="0"/>
-          <a:chExt cx="0" cy="0"/>
-        </a:xfrm>
-      </p:grpSpPr>
-      <p:sp>
-        <p:nvSpPr>
-          <p:cNvPr id="2" name="Title 1"/>
-          <p:cNvSpPr>
-            <a:spLocks noGrp="1"/>
-          </p:cNvSpPr>
-          <p:nvPr>
-            <p:ph type="title"/>
-          </p:nvPr>
-        </p:nvSpPr>
-        <p:spPr>
-          <a:xfrm>
-            <a:off x="4435119" y="2249487"/>
-            <a:ext cx="9905998" cy="1478570"/>
-          </a:xfrm>
-        </p:spPr>
-        <p:txBody>
-          <a:bodyPr/>
-          <a:lstStyle/>
-          <a:p>
-            <a:r>
-              <a:rPr lang="en-GB" dirty="0"/>
-              <a:t>Questions?</a:t>
-            </a:r>
-          </a:p>
-        </p:txBody>
-      </p:sp>
-      <p:sp>
-        <p:nvSpPr>
-          <p:cNvPr id="3" name="Title 1"/>
-          <p:cNvSpPr txBox="1">
-            <a:spLocks/>
-          </p:cNvSpPr>
-          <p:nvPr/>
-        </p:nvSpPr>
-        <p:spPr>
-          <a:xfrm>
-            <a:off x="0" y="149629"/>
-            <a:ext cx="12192000" cy="1662546"/>
-          </a:xfrm>
-          <a:prstGeom prst="rect">
-            <a:avLst/>
-          </a:prstGeom>
-        </p:spPr>
-        <p:txBody>
-          <a:bodyPr vert="horz" lIns="91440" tIns="45720" rIns="91440" bIns="45720" rtlCol="0" anchor="ctr">
-            <a:normAutofit/>
-          </a:bodyPr>
-          <a:lstStyle>
-            <a:lvl1pPr algn="l" defTabSz="914400" rtl="0" eaLnBrk="1" latinLnBrk="0" hangingPunct="1">
-              <a:lnSpc>
-                <a:spcPct val="85000"/>
-              </a:lnSpc>
-              <a:spcBef>
-                <a:spcPct val="0"/>
-              </a:spcBef>
-              <a:buNone/>
-              <a:defRPr sz="4000" kern="1200" cap="all" baseline="0">
-                <a:solidFill>
-                  <a:schemeClr val="bg2"/>
-                </a:solidFill>
-                <a:latin typeface="+mj-lt"/>
-                <a:ea typeface="+mj-ea"/>
-                <a:cs typeface="+mj-cs"/>
-              </a:defRPr>
-            </a:lvl1pPr>
-          </a:lstStyle>
-          <a:p>
-            <a:pPr algn="ctr"/>
-            <a:r>
-              <a:rPr lang="en-GB" dirty="0"/>
-              <a:t>Questions</a:t>
-            </a:r>
-          </a:p>
-        </p:txBody>
-      </p:sp>
-    </p:spTree>
-    <p:extLst>
-      <p:ext uri="{BB962C8B-B14F-4D97-AF65-F5344CB8AC3E}">
-        <p14:creationId xmlns:p14="http://schemas.microsoft.com/office/powerpoint/2010/main" val="1744792610"/>
+        <p14:creationId xmlns:p14="http://schemas.microsoft.com/office/powerpoint/2010/main" val="2973067322"/>
       </p:ext>
     </p:extLst>
   </p:cSld>
